--- a/ppt 16-9/1074.主你是我知心.pptx
+++ b/ppt 16-9/1074.主你是我知心.pptx
@@ -5,7 +5,7 @@
     <p:sldMasterId id="2147483648" r:id="rId1"/>
   </p:sldMasterIdLst>
   <p:sldIdLst>
-    <p:sldId id="524" r:id="rId2"/>
+    <p:sldId id="525" r:id="rId2"/>
   </p:sldIdLst>
   <p:sldSz cx="12192000" cy="6858000"/>
   <p:notesSz cx="6858000" cy="9144000"/>
@@ -129,7 +129,7 @@
           <p:cNvPr id="2" name="标题 1">
             <a:extLst>
               <a:ext uri="{FF2B5EF4-FFF2-40B4-BE49-F238E27FC236}">
-                <a16:creationId xmlns:a16="http://schemas.microsoft.com/office/drawing/2014/main" id="{8C27D7DF-6FF6-8595-007A-6BBAB061D8BE}"/>
+                <a16:creationId xmlns:a16="http://schemas.microsoft.com/office/drawing/2014/main" id="{E09143F3-4681-112A-BE46-56F20C59B1F1}"/>
               </a:ext>
             </a:extLst>
           </p:cNvPr>
@@ -166,7 +166,7 @@
           <p:cNvPr id="3" name="副标题 2">
             <a:extLst>
               <a:ext uri="{FF2B5EF4-FFF2-40B4-BE49-F238E27FC236}">
-                <a16:creationId xmlns:a16="http://schemas.microsoft.com/office/drawing/2014/main" id="{70792AD4-D36A-CDAB-2850-2321DF92702B}"/>
+                <a16:creationId xmlns:a16="http://schemas.microsoft.com/office/drawing/2014/main" id="{657FC7B3-53D4-4595-373C-6FCED2204521}"/>
               </a:ext>
             </a:extLst>
           </p:cNvPr>
@@ -236,7 +236,7 @@
           <p:cNvPr id="4" name="日期占位符 3">
             <a:extLst>
               <a:ext uri="{FF2B5EF4-FFF2-40B4-BE49-F238E27FC236}">
-                <a16:creationId xmlns:a16="http://schemas.microsoft.com/office/drawing/2014/main" id="{85005A69-D3AF-D39C-FAAD-D1B6C08B183B}"/>
+                <a16:creationId xmlns:a16="http://schemas.microsoft.com/office/drawing/2014/main" id="{79942E7A-4804-485A-3DF0-2F8B10EDB44D}"/>
               </a:ext>
             </a:extLst>
           </p:cNvPr>
@@ -252,7 +252,7 @@
           <a:bodyPr/>
           <a:lstStyle/>
           <a:p>
-            <a:fld id="{C02B789A-F109-4F03-8675-16CB0C0B61E8}" type="datetimeFigureOut">
+            <a:fld id="{3DBEEDE7-06BD-4470-9B9F-908394DFEF62}" type="datetimeFigureOut">
               <a:rPr lang="zh-CN" altLang="en-US" smtClean="0"/>
               <a:t>2024/3/10</a:t>
             </a:fld>
@@ -265,7 +265,7 @@
           <p:cNvPr id="5" name="页脚占位符 4">
             <a:extLst>
               <a:ext uri="{FF2B5EF4-FFF2-40B4-BE49-F238E27FC236}">
-                <a16:creationId xmlns:a16="http://schemas.microsoft.com/office/drawing/2014/main" id="{7D347C9B-F91A-2D6A-62DB-00C00C0C9C6F}"/>
+                <a16:creationId xmlns:a16="http://schemas.microsoft.com/office/drawing/2014/main" id="{AAAEBDC3-1AF6-5D31-83FC-FB03C2062FF3}"/>
               </a:ext>
             </a:extLst>
           </p:cNvPr>
@@ -290,7 +290,7 @@
           <p:cNvPr id="6" name="灯片编号占位符 5">
             <a:extLst>
               <a:ext uri="{FF2B5EF4-FFF2-40B4-BE49-F238E27FC236}">
-                <a16:creationId xmlns:a16="http://schemas.microsoft.com/office/drawing/2014/main" id="{253875A5-ACEB-EBAF-225D-8EDCBA410FAC}"/>
+                <a16:creationId xmlns:a16="http://schemas.microsoft.com/office/drawing/2014/main" id="{C31148D3-F199-4A4D-9D27-1B9D15829CBE}"/>
               </a:ext>
             </a:extLst>
           </p:cNvPr>
@@ -306,7 +306,7 @@
           <a:bodyPr/>
           <a:lstStyle/>
           <a:p>
-            <a:fld id="{9830D92F-7B59-47F0-9925-8B57CC0BA813}" type="slidenum">
+            <a:fld id="{B19C83C2-AB03-4A71-8F85-C30D9B8B279C}" type="slidenum">
               <a:rPr lang="zh-CN" altLang="en-US" smtClean="0"/>
               <a:t>‹#›</a:t>
             </a:fld>
@@ -317,7 +317,7 @@
     </p:spTree>
     <p:extLst>
       <p:ext uri="{BB962C8B-B14F-4D97-AF65-F5344CB8AC3E}">
-        <p14:creationId xmlns:p14="http://schemas.microsoft.com/office/powerpoint/2010/main" val="765617282"/>
+        <p14:creationId xmlns:p14="http://schemas.microsoft.com/office/powerpoint/2010/main" val="2757011274"/>
       </p:ext>
     </p:extLst>
   </p:cSld>
@@ -349,7 +349,7 @@
           <p:cNvPr id="2" name="标题 1">
             <a:extLst>
               <a:ext uri="{FF2B5EF4-FFF2-40B4-BE49-F238E27FC236}">
-                <a16:creationId xmlns:a16="http://schemas.microsoft.com/office/drawing/2014/main" id="{E48C9B6E-1BDB-7C0C-3150-379E819C176B}"/>
+                <a16:creationId xmlns:a16="http://schemas.microsoft.com/office/drawing/2014/main" id="{79C1E7FC-FD31-EA2E-5E87-88EE02E90114}"/>
               </a:ext>
             </a:extLst>
           </p:cNvPr>
@@ -377,7 +377,7 @@
           <p:cNvPr id="3" name="竖排文字占位符 2">
             <a:extLst>
               <a:ext uri="{FF2B5EF4-FFF2-40B4-BE49-F238E27FC236}">
-                <a16:creationId xmlns:a16="http://schemas.microsoft.com/office/drawing/2014/main" id="{C032B94F-7616-27A5-802C-F4F9864B3ACA}"/>
+                <a16:creationId xmlns:a16="http://schemas.microsoft.com/office/drawing/2014/main" id="{13458272-D3D6-683C-EEF3-58D15C5A7F21}"/>
               </a:ext>
             </a:extLst>
           </p:cNvPr>
@@ -434,7 +434,7 @@
           <p:cNvPr id="4" name="日期占位符 3">
             <a:extLst>
               <a:ext uri="{FF2B5EF4-FFF2-40B4-BE49-F238E27FC236}">
-                <a16:creationId xmlns:a16="http://schemas.microsoft.com/office/drawing/2014/main" id="{4647410C-C0C7-0692-2DE0-F97FF0665D59}"/>
+                <a16:creationId xmlns:a16="http://schemas.microsoft.com/office/drawing/2014/main" id="{C8AB5455-CAFA-11DC-E0B7-9C7F7FC54B83}"/>
               </a:ext>
             </a:extLst>
           </p:cNvPr>
@@ -450,7 +450,7 @@
           <a:bodyPr/>
           <a:lstStyle/>
           <a:p>
-            <a:fld id="{C02B789A-F109-4F03-8675-16CB0C0B61E8}" type="datetimeFigureOut">
+            <a:fld id="{3DBEEDE7-06BD-4470-9B9F-908394DFEF62}" type="datetimeFigureOut">
               <a:rPr lang="zh-CN" altLang="en-US" smtClean="0"/>
               <a:t>2024/3/10</a:t>
             </a:fld>
@@ -463,7 +463,7 @@
           <p:cNvPr id="5" name="页脚占位符 4">
             <a:extLst>
               <a:ext uri="{FF2B5EF4-FFF2-40B4-BE49-F238E27FC236}">
-                <a16:creationId xmlns:a16="http://schemas.microsoft.com/office/drawing/2014/main" id="{833EA338-249C-C4FD-EE92-6CE5B56A68C7}"/>
+                <a16:creationId xmlns:a16="http://schemas.microsoft.com/office/drawing/2014/main" id="{5CCF9917-000A-2BC0-8A38-72759A4B45B5}"/>
               </a:ext>
             </a:extLst>
           </p:cNvPr>
@@ -488,7 +488,7 @@
           <p:cNvPr id="6" name="灯片编号占位符 5">
             <a:extLst>
               <a:ext uri="{FF2B5EF4-FFF2-40B4-BE49-F238E27FC236}">
-                <a16:creationId xmlns:a16="http://schemas.microsoft.com/office/drawing/2014/main" id="{025BF0F9-9602-AF36-9A3A-E9D41C09DEF1}"/>
+                <a16:creationId xmlns:a16="http://schemas.microsoft.com/office/drawing/2014/main" id="{EEF761E6-E900-7A07-B683-37C21355D0A6}"/>
               </a:ext>
             </a:extLst>
           </p:cNvPr>
@@ -504,7 +504,7 @@
           <a:bodyPr/>
           <a:lstStyle/>
           <a:p>
-            <a:fld id="{9830D92F-7B59-47F0-9925-8B57CC0BA813}" type="slidenum">
+            <a:fld id="{B19C83C2-AB03-4A71-8F85-C30D9B8B279C}" type="slidenum">
               <a:rPr lang="zh-CN" altLang="en-US" smtClean="0"/>
               <a:t>‹#›</a:t>
             </a:fld>
@@ -515,7 +515,7 @@
     </p:spTree>
     <p:extLst>
       <p:ext uri="{BB962C8B-B14F-4D97-AF65-F5344CB8AC3E}">
-        <p14:creationId xmlns:p14="http://schemas.microsoft.com/office/powerpoint/2010/main" val="267781084"/>
+        <p14:creationId xmlns:p14="http://schemas.microsoft.com/office/powerpoint/2010/main" val="2175341133"/>
       </p:ext>
     </p:extLst>
   </p:cSld>
@@ -547,7 +547,7 @@
           <p:cNvPr id="2" name="竖排标题 1">
             <a:extLst>
               <a:ext uri="{FF2B5EF4-FFF2-40B4-BE49-F238E27FC236}">
-                <a16:creationId xmlns:a16="http://schemas.microsoft.com/office/drawing/2014/main" id="{D0206CBA-0810-08C2-09E5-F44237A14D9B}"/>
+                <a16:creationId xmlns:a16="http://schemas.microsoft.com/office/drawing/2014/main" id="{ECAEFA4C-F98A-73D2-4DC8-FF5A3F7D2CAC}"/>
               </a:ext>
             </a:extLst>
           </p:cNvPr>
@@ -580,7 +580,7 @@
           <p:cNvPr id="3" name="竖排文字占位符 2">
             <a:extLst>
               <a:ext uri="{FF2B5EF4-FFF2-40B4-BE49-F238E27FC236}">
-                <a16:creationId xmlns:a16="http://schemas.microsoft.com/office/drawing/2014/main" id="{0F319E85-55D1-3C4D-55BC-80546673B436}"/>
+                <a16:creationId xmlns:a16="http://schemas.microsoft.com/office/drawing/2014/main" id="{022CCD71-2D0B-47F2-238C-A2F374C1B3B3}"/>
               </a:ext>
             </a:extLst>
           </p:cNvPr>
@@ -642,7 +642,7 @@
           <p:cNvPr id="4" name="日期占位符 3">
             <a:extLst>
               <a:ext uri="{FF2B5EF4-FFF2-40B4-BE49-F238E27FC236}">
-                <a16:creationId xmlns:a16="http://schemas.microsoft.com/office/drawing/2014/main" id="{6BB78243-B6AE-060C-EDB7-0F372EE3E841}"/>
+                <a16:creationId xmlns:a16="http://schemas.microsoft.com/office/drawing/2014/main" id="{388CD5DC-665F-45F6-5431-D3BCDAF29B11}"/>
               </a:ext>
             </a:extLst>
           </p:cNvPr>
@@ -658,7 +658,7 @@
           <a:bodyPr/>
           <a:lstStyle/>
           <a:p>
-            <a:fld id="{C02B789A-F109-4F03-8675-16CB0C0B61E8}" type="datetimeFigureOut">
+            <a:fld id="{3DBEEDE7-06BD-4470-9B9F-908394DFEF62}" type="datetimeFigureOut">
               <a:rPr lang="zh-CN" altLang="en-US" smtClean="0"/>
               <a:t>2024/3/10</a:t>
             </a:fld>
@@ -671,7 +671,7 @@
           <p:cNvPr id="5" name="页脚占位符 4">
             <a:extLst>
               <a:ext uri="{FF2B5EF4-FFF2-40B4-BE49-F238E27FC236}">
-                <a16:creationId xmlns:a16="http://schemas.microsoft.com/office/drawing/2014/main" id="{132C8762-C6EE-D1FE-3BDB-B2A9803340CD}"/>
+                <a16:creationId xmlns:a16="http://schemas.microsoft.com/office/drawing/2014/main" id="{C91E301C-5366-3302-6E07-2FDBCADA841A}"/>
               </a:ext>
             </a:extLst>
           </p:cNvPr>
@@ -696,7 +696,7 @@
           <p:cNvPr id="6" name="灯片编号占位符 5">
             <a:extLst>
               <a:ext uri="{FF2B5EF4-FFF2-40B4-BE49-F238E27FC236}">
-                <a16:creationId xmlns:a16="http://schemas.microsoft.com/office/drawing/2014/main" id="{B9A179BA-0223-47B8-5010-477F2DC5F139}"/>
+                <a16:creationId xmlns:a16="http://schemas.microsoft.com/office/drawing/2014/main" id="{C2F8240C-5681-0685-5866-E3156510D087}"/>
               </a:ext>
             </a:extLst>
           </p:cNvPr>
@@ -712,7 +712,7 @@
           <a:bodyPr/>
           <a:lstStyle/>
           <a:p>
-            <a:fld id="{9830D92F-7B59-47F0-9925-8B57CC0BA813}" type="slidenum">
+            <a:fld id="{B19C83C2-AB03-4A71-8F85-C30D9B8B279C}" type="slidenum">
               <a:rPr lang="zh-CN" altLang="en-US" smtClean="0"/>
               <a:t>‹#›</a:t>
             </a:fld>
@@ -723,7 +723,7 @@
     </p:spTree>
     <p:extLst>
       <p:ext uri="{BB962C8B-B14F-4D97-AF65-F5344CB8AC3E}">
-        <p14:creationId xmlns:p14="http://schemas.microsoft.com/office/powerpoint/2010/main" val="1830690676"/>
+        <p14:creationId xmlns:p14="http://schemas.microsoft.com/office/powerpoint/2010/main" val="2355211411"/>
       </p:ext>
     </p:extLst>
   </p:cSld>
@@ -755,7 +755,7 @@
           <p:cNvPr id="2" name="标题 1">
             <a:extLst>
               <a:ext uri="{FF2B5EF4-FFF2-40B4-BE49-F238E27FC236}">
-                <a16:creationId xmlns:a16="http://schemas.microsoft.com/office/drawing/2014/main" id="{8F80E750-92A9-92CB-39D2-A1BE97F4618C}"/>
+                <a16:creationId xmlns:a16="http://schemas.microsoft.com/office/drawing/2014/main" id="{6A805309-A773-C33B-E552-B297FBF7AC7B}"/>
               </a:ext>
             </a:extLst>
           </p:cNvPr>
@@ -783,7 +783,7 @@
           <p:cNvPr id="3" name="内容占位符 2">
             <a:extLst>
               <a:ext uri="{FF2B5EF4-FFF2-40B4-BE49-F238E27FC236}">
-                <a16:creationId xmlns:a16="http://schemas.microsoft.com/office/drawing/2014/main" id="{73DC8837-7DAA-B34F-43F2-AF6E61B2F7B1}"/>
+                <a16:creationId xmlns:a16="http://schemas.microsoft.com/office/drawing/2014/main" id="{1592FA1D-7039-F643-D215-D44D672BDB86}"/>
               </a:ext>
             </a:extLst>
           </p:cNvPr>
@@ -840,7 +840,7 @@
           <p:cNvPr id="4" name="日期占位符 3">
             <a:extLst>
               <a:ext uri="{FF2B5EF4-FFF2-40B4-BE49-F238E27FC236}">
-                <a16:creationId xmlns:a16="http://schemas.microsoft.com/office/drawing/2014/main" id="{7694D25C-4793-0ABA-1B7D-1F2BE81EBA2E}"/>
+                <a16:creationId xmlns:a16="http://schemas.microsoft.com/office/drawing/2014/main" id="{7E28BEC8-C69A-8AF0-B6D8-634188DD5577}"/>
               </a:ext>
             </a:extLst>
           </p:cNvPr>
@@ -856,7 +856,7 @@
           <a:bodyPr/>
           <a:lstStyle/>
           <a:p>
-            <a:fld id="{C02B789A-F109-4F03-8675-16CB0C0B61E8}" type="datetimeFigureOut">
+            <a:fld id="{3DBEEDE7-06BD-4470-9B9F-908394DFEF62}" type="datetimeFigureOut">
               <a:rPr lang="zh-CN" altLang="en-US" smtClean="0"/>
               <a:t>2024/3/10</a:t>
             </a:fld>
@@ -869,7 +869,7 @@
           <p:cNvPr id="5" name="页脚占位符 4">
             <a:extLst>
               <a:ext uri="{FF2B5EF4-FFF2-40B4-BE49-F238E27FC236}">
-                <a16:creationId xmlns:a16="http://schemas.microsoft.com/office/drawing/2014/main" id="{E747FB36-B722-E8D1-F830-28ADC85BD35E}"/>
+                <a16:creationId xmlns:a16="http://schemas.microsoft.com/office/drawing/2014/main" id="{3EAB7FD4-C8D9-03B4-D65B-E112765E34B7}"/>
               </a:ext>
             </a:extLst>
           </p:cNvPr>
@@ -894,7 +894,7 @@
           <p:cNvPr id="6" name="灯片编号占位符 5">
             <a:extLst>
               <a:ext uri="{FF2B5EF4-FFF2-40B4-BE49-F238E27FC236}">
-                <a16:creationId xmlns:a16="http://schemas.microsoft.com/office/drawing/2014/main" id="{B92F9FE3-46D0-0BDF-CDD9-6A422C552868}"/>
+                <a16:creationId xmlns:a16="http://schemas.microsoft.com/office/drawing/2014/main" id="{449C1FB0-6FC8-7D99-9F78-DE3F11DEE4FD}"/>
               </a:ext>
             </a:extLst>
           </p:cNvPr>
@@ -910,7 +910,7 @@
           <a:bodyPr/>
           <a:lstStyle/>
           <a:p>
-            <a:fld id="{9830D92F-7B59-47F0-9925-8B57CC0BA813}" type="slidenum">
+            <a:fld id="{B19C83C2-AB03-4A71-8F85-C30D9B8B279C}" type="slidenum">
               <a:rPr lang="zh-CN" altLang="en-US" smtClean="0"/>
               <a:t>‹#›</a:t>
             </a:fld>
@@ -921,7 +921,7 @@
     </p:spTree>
     <p:extLst>
       <p:ext uri="{BB962C8B-B14F-4D97-AF65-F5344CB8AC3E}">
-        <p14:creationId xmlns:p14="http://schemas.microsoft.com/office/powerpoint/2010/main" val="3294663556"/>
+        <p14:creationId xmlns:p14="http://schemas.microsoft.com/office/powerpoint/2010/main" val="3084936420"/>
       </p:ext>
     </p:extLst>
   </p:cSld>
@@ -953,7 +953,7 @@
           <p:cNvPr id="2" name="标题 1">
             <a:extLst>
               <a:ext uri="{FF2B5EF4-FFF2-40B4-BE49-F238E27FC236}">
-                <a16:creationId xmlns:a16="http://schemas.microsoft.com/office/drawing/2014/main" id="{D827722A-5D26-8D0E-2C78-7641AF100E54}"/>
+                <a16:creationId xmlns:a16="http://schemas.microsoft.com/office/drawing/2014/main" id="{C2E23D83-ECEE-68AC-121F-3C0EAE3679C3}"/>
               </a:ext>
             </a:extLst>
           </p:cNvPr>
@@ -990,7 +990,7 @@
           <p:cNvPr id="3" name="文本占位符 2">
             <a:extLst>
               <a:ext uri="{FF2B5EF4-FFF2-40B4-BE49-F238E27FC236}">
-                <a16:creationId xmlns:a16="http://schemas.microsoft.com/office/drawing/2014/main" id="{A270C995-C0AC-3B53-B6C9-AADFBCBD2582}"/>
+                <a16:creationId xmlns:a16="http://schemas.microsoft.com/office/drawing/2014/main" id="{1B19F434-3892-A10D-56AD-E3CC1E46398D}"/>
               </a:ext>
             </a:extLst>
           </p:cNvPr>
@@ -1115,7 +1115,7 @@
           <p:cNvPr id="4" name="日期占位符 3">
             <a:extLst>
               <a:ext uri="{FF2B5EF4-FFF2-40B4-BE49-F238E27FC236}">
-                <a16:creationId xmlns:a16="http://schemas.microsoft.com/office/drawing/2014/main" id="{E2E3A34B-FD58-794D-4DF0-BA96AB5B7851}"/>
+                <a16:creationId xmlns:a16="http://schemas.microsoft.com/office/drawing/2014/main" id="{F15062B0-CACB-CCB5-0267-B0408F04DF15}"/>
               </a:ext>
             </a:extLst>
           </p:cNvPr>
@@ -1131,7 +1131,7 @@
           <a:bodyPr/>
           <a:lstStyle/>
           <a:p>
-            <a:fld id="{C02B789A-F109-4F03-8675-16CB0C0B61E8}" type="datetimeFigureOut">
+            <a:fld id="{3DBEEDE7-06BD-4470-9B9F-908394DFEF62}" type="datetimeFigureOut">
               <a:rPr lang="zh-CN" altLang="en-US" smtClean="0"/>
               <a:t>2024/3/10</a:t>
             </a:fld>
@@ -1144,7 +1144,7 @@
           <p:cNvPr id="5" name="页脚占位符 4">
             <a:extLst>
               <a:ext uri="{FF2B5EF4-FFF2-40B4-BE49-F238E27FC236}">
-                <a16:creationId xmlns:a16="http://schemas.microsoft.com/office/drawing/2014/main" id="{0F0AA328-AF1C-94E8-9291-5F1EF42E48C6}"/>
+                <a16:creationId xmlns:a16="http://schemas.microsoft.com/office/drawing/2014/main" id="{1972AD1A-EFC3-D8A6-A478-6484865CB040}"/>
               </a:ext>
             </a:extLst>
           </p:cNvPr>
@@ -1169,7 +1169,7 @@
           <p:cNvPr id="6" name="灯片编号占位符 5">
             <a:extLst>
               <a:ext uri="{FF2B5EF4-FFF2-40B4-BE49-F238E27FC236}">
-                <a16:creationId xmlns:a16="http://schemas.microsoft.com/office/drawing/2014/main" id="{B8B39FA9-3F22-4DFE-16DD-4E4558247DD9}"/>
+                <a16:creationId xmlns:a16="http://schemas.microsoft.com/office/drawing/2014/main" id="{BAAA671D-B139-27B6-30B4-0858FBFDBFDB}"/>
               </a:ext>
             </a:extLst>
           </p:cNvPr>
@@ -1185,7 +1185,7 @@
           <a:bodyPr/>
           <a:lstStyle/>
           <a:p>
-            <a:fld id="{9830D92F-7B59-47F0-9925-8B57CC0BA813}" type="slidenum">
+            <a:fld id="{B19C83C2-AB03-4A71-8F85-C30D9B8B279C}" type="slidenum">
               <a:rPr lang="zh-CN" altLang="en-US" smtClean="0"/>
               <a:t>‹#›</a:t>
             </a:fld>
@@ -1196,7 +1196,7 @@
     </p:spTree>
     <p:extLst>
       <p:ext uri="{BB962C8B-B14F-4D97-AF65-F5344CB8AC3E}">
-        <p14:creationId xmlns:p14="http://schemas.microsoft.com/office/powerpoint/2010/main" val="914046709"/>
+        <p14:creationId xmlns:p14="http://schemas.microsoft.com/office/powerpoint/2010/main" val="2662921097"/>
       </p:ext>
     </p:extLst>
   </p:cSld>
@@ -1228,7 +1228,7 @@
           <p:cNvPr id="2" name="标题 1">
             <a:extLst>
               <a:ext uri="{FF2B5EF4-FFF2-40B4-BE49-F238E27FC236}">
-                <a16:creationId xmlns:a16="http://schemas.microsoft.com/office/drawing/2014/main" id="{0D7DED9D-18AC-3AE0-E55C-EF72FDEF0193}"/>
+                <a16:creationId xmlns:a16="http://schemas.microsoft.com/office/drawing/2014/main" id="{366DC88F-5734-A74E-900A-AC8C943D211D}"/>
               </a:ext>
             </a:extLst>
           </p:cNvPr>
@@ -1256,7 +1256,7 @@
           <p:cNvPr id="3" name="内容占位符 2">
             <a:extLst>
               <a:ext uri="{FF2B5EF4-FFF2-40B4-BE49-F238E27FC236}">
-                <a16:creationId xmlns:a16="http://schemas.microsoft.com/office/drawing/2014/main" id="{D2C30FD0-BDEC-1DB2-E339-9CE583F6D1D6}"/>
+                <a16:creationId xmlns:a16="http://schemas.microsoft.com/office/drawing/2014/main" id="{87F39268-3220-16DE-B784-769CF8ABE727}"/>
               </a:ext>
             </a:extLst>
           </p:cNvPr>
@@ -1318,7 +1318,7 @@
           <p:cNvPr id="4" name="内容占位符 3">
             <a:extLst>
               <a:ext uri="{FF2B5EF4-FFF2-40B4-BE49-F238E27FC236}">
-                <a16:creationId xmlns:a16="http://schemas.microsoft.com/office/drawing/2014/main" id="{0F0ED7C9-286F-5E03-0359-FC343F86ED7E}"/>
+                <a16:creationId xmlns:a16="http://schemas.microsoft.com/office/drawing/2014/main" id="{918EE6D6-8122-4216-0A4D-A80946CDE7E8}"/>
               </a:ext>
             </a:extLst>
           </p:cNvPr>
@@ -1380,7 +1380,7 @@
           <p:cNvPr id="5" name="日期占位符 4">
             <a:extLst>
               <a:ext uri="{FF2B5EF4-FFF2-40B4-BE49-F238E27FC236}">
-                <a16:creationId xmlns:a16="http://schemas.microsoft.com/office/drawing/2014/main" id="{02D3EE50-7094-EDD9-189B-FFF3D5D61700}"/>
+                <a16:creationId xmlns:a16="http://schemas.microsoft.com/office/drawing/2014/main" id="{65E22688-3100-EA9D-E4C5-43A78912B027}"/>
               </a:ext>
             </a:extLst>
           </p:cNvPr>
@@ -1396,7 +1396,7 @@
           <a:bodyPr/>
           <a:lstStyle/>
           <a:p>
-            <a:fld id="{C02B789A-F109-4F03-8675-16CB0C0B61E8}" type="datetimeFigureOut">
+            <a:fld id="{3DBEEDE7-06BD-4470-9B9F-908394DFEF62}" type="datetimeFigureOut">
               <a:rPr lang="zh-CN" altLang="en-US" smtClean="0"/>
               <a:t>2024/3/10</a:t>
             </a:fld>
@@ -1409,7 +1409,7 @@
           <p:cNvPr id="6" name="页脚占位符 5">
             <a:extLst>
               <a:ext uri="{FF2B5EF4-FFF2-40B4-BE49-F238E27FC236}">
-                <a16:creationId xmlns:a16="http://schemas.microsoft.com/office/drawing/2014/main" id="{64A9E97C-E8E0-69A7-E4B9-5D71B0B46B34}"/>
+                <a16:creationId xmlns:a16="http://schemas.microsoft.com/office/drawing/2014/main" id="{9C29C6A5-BF81-4134-E315-A14821523D67}"/>
               </a:ext>
             </a:extLst>
           </p:cNvPr>
@@ -1434,7 +1434,7 @@
           <p:cNvPr id="7" name="灯片编号占位符 6">
             <a:extLst>
               <a:ext uri="{FF2B5EF4-FFF2-40B4-BE49-F238E27FC236}">
-                <a16:creationId xmlns:a16="http://schemas.microsoft.com/office/drawing/2014/main" id="{EE5169E2-E43A-60E9-93C6-6D6190C25E6A}"/>
+                <a16:creationId xmlns:a16="http://schemas.microsoft.com/office/drawing/2014/main" id="{7CA264C8-95DC-D05A-DA51-46FA66C6CB63}"/>
               </a:ext>
             </a:extLst>
           </p:cNvPr>
@@ -1450,7 +1450,7 @@
           <a:bodyPr/>
           <a:lstStyle/>
           <a:p>
-            <a:fld id="{9830D92F-7B59-47F0-9925-8B57CC0BA813}" type="slidenum">
+            <a:fld id="{B19C83C2-AB03-4A71-8F85-C30D9B8B279C}" type="slidenum">
               <a:rPr lang="zh-CN" altLang="en-US" smtClean="0"/>
               <a:t>‹#›</a:t>
             </a:fld>
@@ -1461,7 +1461,7 @@
     </p:spTree>
     <p:extLst>
       <p:ext uri="{BB962C8B-B14F-4D97-AF65-F5344CB8AC3E}">
-        <p14:creationId xmlns:p14="http://schemas.microsoft.com/office/powerpoint/2010/main" val="1677118686"/>
+        <p14:creationId xmlns:p14="http://schemas.microsoft.com/office/powerpoint/2010/main" val="1858632216"/>
       </p:ext>
     </p:extLst>
   </p:cSld>
@@ -1493,7 +1493,7 @@
           <p:cNvPr id="2" name="标题 1">
             <a:extLst>
               <a:ext uri="{FF2B5EF4-FFF2-40B4-BE49-F238E27FC236}">
-                <a16:creationId xmlns:a16="http://schemas.microsoft.com/office/drawing/2014/main" id="{42F74B20-80D4-41EE-2F4A-B7D2A45FD973}"/>
+                <a16:creationId xmlns:a16="http://schemas.microsoft.com/office/drawing/2014/main" id="{6ABD7294-BB25-DA90-CE03-7387B2CF71F3}"/>
               </a:ext>
             </a:extLst>
           </p:cNvPr>
@@ -1526,7 +1526,7 @@
           <p:cNvPr id="3" name="文本占位符 2">
             <a:extLst>
               <a:ext uri="{FF2B5EF4-FFF2-40B4-BE49-F238E27FC236}">
-                <a16:creationId xmlns:a16="http://schemas.microsoft.com/office/drawing/2014/main" id="{ED94F555-BB57-A43C-031A-3291C55B2931}"/>
+                <a16:creationId xmlns:a16="http://schemas.microsoft.com/office/drawing/2014/main" id="{D1CEEBE7-EAC5-2E65-6792-31CC4430ADED}"/>
               </a:ext>
             </a:extLst>
           </p:cNvPr>
@@ -1597,7 +1597,7 @@
           <p:cNvPr id="4" name="内容占位符 3">
             <a:extLst>
               <a:ext uri="{FF2B5EF4-FFF2-40B4-BE49-F238E27FC236}">
-                <a16:creationId xmlns:a16="http://schemas.microsoft.com/office/drawing/2014/main" id="{66CE0820-C958-A0DA-FC69-071FEADF68DA}"/>
+                <a16:creationId xmlns:a16="http://schemas.microsoft.com/office/drawing/2014/main" id="{47AA8626-BCDB-1C66-AECC-741C6AF0E518}"/>
               </a:ext>
             </a:extLst>
           </p:cNvPr>
@@ -1659,7 +1659,7 @@
           <p:cNvPr id="5" name="文本占位符 4">
             <a:extLst>
               <a:ext uri="{FF2B5EF4-FFF2-40B4-BE49-F238E27FC236}">
-                <a16:creationId xmlns:a16="http://schemas.microsoft.com/office/drawing/2014/main" id="{24C9A020-FB39-4190-50FC-985D283F89A9}"/>
+                <a16:creationId xmlns:a16="http://schemas.microsoft.com/office/drawing/2014/main" id="{10A133E7-6E5C-F3AF-5A15-83E9DBC263D4}"/>
               </a:ext>
             </a:extLst>
           </p:cNvPr>
@@ -1730,7 +1730,7 @@
           <p:cNvPr id="6" name="内容占位符 5">
             <a:extLst>
               <a:ext uri="{FF2B5EF4-FFF2-40B4-BE49-F238E27FC236}">
-                <a16:creationId xmlns:a16="http://schemas.microsoft.com/office/drawing/2014/main" id="{8C10BE84-713F-62A1-5A04-97F352BDF176}"/>
+                <a16:creationId xmlns:a16="http://schemas.microsoft.com/office/drawing/2014/main" id="{C2CD468C-7B8E-20E4-A856-427807846629}"/>
               </a:ext>
             </a:extLst>
           </p:cNvPr>
@@ -1792,7 +1792,7 @@
           <p:cNvPr id="7" name="日期占位符 6">
             <a:extLst>
               <a:ext uri="{FF2B5EF4-FFF2-40B4-BE49-F238E27FC236}">
-                <a16:creationId xmlns:a16="http://schemas.microsoft.com/office/drawing/2014/main" id="{CA3167AB-FFE3-1B5D-49A0-2FC3B4F0805A}"/>
+                <a16:creationId xmlns:a16="http://schemas.microsoft.com/office/drawing/2014/main" id="{7C17D81F-0BEF-0CA8-E275-72085123B402}"/>
               </a:ext>
             </a:extLst>
           </p:cNvPr>
@@ -1808,7 +1808,7 @@
           <a:bodyPr/>
           <a:lstStyle/>
           <a:p>
-            <a:fld id="{C02B789A-F109-4F03-8675-16CB0C0B61E8}" type="datetimeFigureOut">
+            <a:fld id="{3DBEEDE7-06BD-4470-9B9F-908394DFEF62}" type="datetimeFigureOut">
               <a:rPr lang="zh-CN" altLang="en-US" smtClean="0"/>
               <a:t>2024/3/10</a:t>
             </a:fld>
@@ -1821,7 +1821,7 @@
           <p:cNvPr id="8" name="页脚占位符 7">
             <a:extLst>
               <a:ext uri="{FF2B5EF4-FFF2-40B4-BE49-F238E27FC236}">
-                <a16:creationId xmlns:a16="http://schemas.microsoft.com/office/drawing/2014/main" id="{27126059-0579-4738-7FD3-696DC8A9C756}"/>
+                <a16:creationId xmlns:a16="http://schemas.microsoft.com/office/drawing/2014/main" id="{D227FD94-EC5A-887F-045E-0059F112AD14}"/>
               </a:ext>
             </a:extLst>
           </p:cNvPr>
@@ -1846,7 +1846,7 @@
           <p:cNvPr id="9" name="灯片编号占位符 8">
             <a:extLst>
               <a:ext uri="{FF2B5EF4-FFF2-40B4-BE49-F238E27FC236}">
-                <a16:creationId xmlns:a16="http://schemas.microsoft.com/office/drawing/2014/main" id="{B98138EC-2ED8-E75E-3CD2-FC3B7CC24E86}"/>
+                <a16:creationId xmlns:a16="http://schemas.microsoft.com/office/drawing/2014/main" id="{2EBCBB70-B6C2-BA14-4139-0281055962F1}"/>
               </a:ext>
             </a:extLst>
           </p:cNvPr>
@@ -1862,7 +1862,7 @@
           <a:bodyPr/>
           <a:lstStyle/>
           <a:p>
-            <a:fld id="{9830D92F-7B59-47F0-9925-8B57CC0BA813}" type="slidenum">
+            <a:fld id="{B19C83C2-AB03-4A71-8F85-C30D9B8B279C}" type="slidenum">
               <a:rPr lang="zh-CN" altLang="en-US" smtClean="0"/>
               <a:t>‹#›</a:t>
             </a:fld>
@@ -1873,7 +1873,7 @@
     </p:spTree>
     <p:extLst>
       <p:ext uri="{BB962C8B-B14F-4D97-AF65-F5344CB8AC3E}">
-        <p14:creationId xmlns:p14="http://schemas.microsoft.com/office/powerpoint/2010/main" val="3146569366"/>
+        <p14:creationId xmlns:p14="http://schemas.microsoft.com/office/powerpoint/2010/main" val="1375001044"/>
       </p:ext>
     </p:extLst>
   </p:cSld>
@@ -1905,7 +1905,7 @@
           <p:cNvPr id="2" name="标题 1">
             <a:extLst>
               <a:ext uri="{FF2B5EF4-FFF2-40B4-BE49-F238E27FC236}">
-                <a16:creationId xmlns:a16="http://schemas.microsoft.com/office/drawing/2014/main" id="{13C3655D-6087-1D8F-07A0-7898F0B4834D}"/>
+                <a16:creationId xmlns:a16="http://schemas.microsoft.com/office/drawing/2014/main" id="{2A75E293-9FE3-E249-872F-43D3EE665593}"/>
               </a:ext>
             </a:extLst>
           </p:cNvPr>
@@ -1933,7 +1933,7 @@
           <p:cNvPr id="3" name="日期占位符 2">
             <a:extLst>
               <a:ext uri="{FF2B5EF4-FFF2-40B4-BE49-F238E27FC236}">
-                <a16:creationId xmlns:a16="http://schemas.microsoft.com/office/drawing/2014/main" id="{C560107B-AB62-12E1-9CB4-373FAE632845}"/>
+                <a16:creationId xmlns:a16="http://schemas.microsoft.com/office/drawing/2014/main" id="{6C379A8E-1C69-B110-622C-65FBAFC39498}"/>
               </a:ext>
             </a:extLst>
           </p:cNvPr>
@@ -1949,7 +1949,7 @@
           <a:bodyPr/>
           <a:lstStyle/>
           <a:p>
-            <a:fld id="{C02B789A-F109-4F03-8675-16CB0C0B61E8}" type="datetimeFigureOut">
+            <a:fld id="{3DBEEDE7-06BD-4470-9B9F-908394DFEF62}" type="datetimeFigureOut">
               <a:rPr lang="zh-CN" altLang="en-US" smtClean="0"/>
               <a:t>2024/3/10</a:t>
             </a:fld>
@@ -1962,7 +1962,7 @@
           <p:cNvPr id="4" name="页脚占位符 3">
             <a:extLst>
               <a:ext uri="{FF2B5EF4-FFF2-40B4-BE49-F238E27FC236}">
-                <a16:creationId xmlns:a16="http://schemas.microsoft.com/office/drawing/2014/main" id="{BDD25AF8-53CA-54CC-4AAB-6BD8555ED47A}"/>
+                <a16:creationId xmlns:a16="http://schemas.microsoft.com/office/drawing/2014/main" id="{EA21FE6A-58AB-7E71-45C9-6FE9E06B9980}"/>
               </a:ext>
             </a:extLst>
           </p:cNvPr>
@@ -1987,7 +1987,7 @@
           <p:cNvPr id="5" name="灯片编号占位符 4">
             <a:extLst>
               <a:ext uri="{FF2B5EF4-FFF2-40B4-BE49-F238E27FC236}">
-                <a16:creationId xmlns:a16="http://schemas.microsoft.com/office/drawing/2014/main" id="{2CD68EBF-C669-D54F-1318-FD0627C73B6F}"/>
+                <a16:creationId xmlns:a16="http://schemas.microsoft.com/office/drawing/2014/main" id="{83ED0B52-A3EC-2422-B3D1-198A9794530A}"/>
               </a:ext>
             </a:extLst>
           </p:cNvPr>
@@ -2003,7 +2003,7 @@
           <a:bodyPr/>
           <a:lstStyle/>
           <a:p>
-            <a:fld id="{9830D92F-7B59-47F0-9925-8B57CC0BA813}" type="slidenum">
+            <a:fld id="{B19C83C2-AB03-4A71-8F85-C30D9B8B279C}" type="slidenum">
               <a:rPr lang="zh-CN" altLang="en-US" smtClean="0"/>
               <a:t>‹#›</a:t>
             </a:fld>
@@ -2014,7 +2014,7 @@
     </p:spTree>
     <p:extLst>
       <p:ext uri="{BB962C8B-B14F-4D97-AF65-F5344CB8AC3E}">
-        <p14:creationId xmlns:p14="http://schemas.microsoft.com/office/powerpoint/2010/main" val="1407825727"/>
+        <p14:creationId xmlns:p14="http://schemas.microsoft.com/office/powerpoint/2010/main" val="3296487301"/>
       </p:ext>
     </p:extLst>
   </p:cSld>
@@ -2046,7 +2046,7 @@
           <p:cNvPr id="2" name="日期占位符 1">
             <a:extLst>
               <a:ext uri="{FF2B5EF4-FFF2-40B4-BE49-F238E27FC236}">
-                <a16:creationId xmlns:a16="http://schemas.microsoft.com/office/drawing/2014/main" id="{4B036325-3514-641D-8301-90650A88D21A}"/>
+                <a16:creationId xmlns:a16="http://schemas.microsoft.com/office/drawing/2014/main" id="{B3807D95-8168-F9A3-3994-4B0A559F8D6F}"/>
               </a:ext>
             </a:extLst>
           </p:cNvPr>
@@ -2062,7 +2062,7 @@
           <a:bodyPr/>
           <a:lstStyle/>
           <a:p>
-            <a:fld id="{C02B789A-F109-4F03-8675-16CB0C0B61E8}" type="datetimeFigureOut">
+            <a:fld id="{3DBEEDE7-06BD-4470-9B9F-908394DFEF62}" type="datetimeFigureOut">
               <a:rPr lang="zh-CN" altLang="en-US" smtClean="0"/>
               <a:t>2024/3/10</a:t>
             </a:fld>
@@ -2075,7 +2075,7 @@
           <p:cNvPr id="3" name="页脚占位符 2">
             <a:extLst>
               <a:ext uri="{FF2B5EF4-FFF2-40B4-BE49-F238E27FC236}">
-                <a16:creationId xmlns:a16="http://schemas.microsoft.com/office/drawing/2014/main" id="{7AB0F33D-076E-B13A-C514-75005F53C6AD}"/>
+                <a16:creationId xmlns:a16="http://schemas.microsoft.com/office/drawing/2014/main" id="{C2482505-B608-E25B-5250-D023AE3AA9E2}"/>
               </a:ext>
             </a:extLst>
           </p:cNvPr>
@@ -2100,7 +2100,7 @@
           <p:cNvPr id="4" name="灯片编号占位符 3">
             <a:extLst>
               <a:ext uri="{FF2B5EF4-FFF2-40B4-BE49-F238E27FC236}">
-                <a16:creationId xmlns:a16="http://schemas.microsoft.com/office/drawing/2014/main" id="{AFE073A7-E685-9FCE-EBD9-894606C72B8B}"/>
+                <a16:creationId xmlns:a16="http://schemas.microsoft.com/office/drawing/2014/main" id="{2C2CFA56-D00A-D240-8881-BBB876362829}"/>
               </a:ext>
             </a:extLst>
           </p:cNvPr>
@@ -2116,7 +2116,7 @@
           <a:bodyPr/>
           <a:lstStyle/>
           <a:p>
-            <a:fld id="{9830D92F-7B59-47F0-9925-8B57CC0BA813}" type="slidenum">
+            <a:fld id="{B19C83C2-AB03-4A71-8F85-C30D9B8B279C}" type="slidenum">
               <a:rPr lang="zh-CN" altLang="en-US" smtClean="0"/>
               <a:t>‹#›</a:t>
             </a:fld>
@@ -2127,7 +2127,7 @@
     </p:spTree>
     <p:extLst>
       <p:ext uri="{BB962C8B-B14F-4D97-AF65-F5344CB8AC3E}">
-        <p14:creationId xmlns:p14="http://schemas.microsoft.com/office/powerpoint/2010/main" val="2684048356"/>
+        <p14:creationId xmlns:p14="http://schemas.microsoft.com/office/powerpoint/2010/main" val="2542944386"/>
       </p:ext>
     </p:extLst>
   </p:cSld>
@@ -2159,7 +2159,7 @@
           <p:cNvPr id="2" name="标题 1">
             <a:extLst>
               <a:ext uri="{FF2B5EF4-FFF2-40B4-BE49-F238E27FC236}">
-                <a16:creationId xmlns:a16="http://schemas.microsoft.com/office/drawing/2014/main" id="{7D3BFAB7-FBE5-CB33-5966-BBE8F0C43B3D}"/>
+                <a16:creationId xmlns:a16="http://schemas.microsoft.com/office/drawing/2014/main" id="{AE761637-F9E0-E6CE-155C-3F57C964585A}"/>
               </a:ext>
             </a:extLst>
           </p:cNvPr>
@@ -2196,7 +2196,7 @@
           <p:cNvPr id="3" name="内容占位符 2">
             <a:extLst>
               <a:ext uri="{FF2B5EF4-FFF2-40B4-BE49-F238E27FC236}">
-                <a16:creationId xmlns:a16="http://schemas.microsoft.com/office/drawing/2014/main" id="{B6FFE391-1B15-CC84-EFF8-DB6129AEF957}"/>
+                <a16:creationId xmlns:a16="http://schemas.microsoft.com/office/drawing/2014/main" id="{DB2394AE-FF5D-D760-A5AB-8EADAF40F535}"/>
               </a:ext>
             </a:extLst>
           </p:cNvPr>
@@ -2286,7 +2286,7 @@
           <p:cNvPr id="4" name="文本占位符 3">
             <a:extLst>
               <a:ext uri="{FF2B5EF4-FFF2-40B4-BE49-F238E27FC236}">
-                <a16:creationId xmlns:a16="http://schemas.microsoft.com/office/drawing/2014/main" id="{27793047-8A62-651A-5EC0-9DB33591D546}"/>
+                <a16:creationId xmlns:a16="http://schemas.microsoft.com/office/drawing/2014/main" id="{B5057B9E-6399-4C73-5E12-E67163B070B1}"/>
               </a:ext>
             </a:extLst>
           </p:cNvPr>
@@ -2357,7 +2357,7 @@
           <p:cNvPr id="5" name="日期占位符 4">
             <a:extLst>
               <a:ext uri="{FF2B5EF4-FFF2-40B4-BE49-F238E27FC236}">
-                <a16:creationId xmlns:a16="http://schemas.microsoft.com/office/drawing/2014/main" id="{6378138F-19FE-28AA-F88D-D411560CF2B9}"/>
+                <a16:creationId xmlns:a16="http://schemas.microsoft.com/office/drawing/2014/main" id="{D856AFB6-3957-885C-D41A-B5475CE16CF3}"/>
               </a:ext>
             </a:extLst>
           </p:cNvPr>
@@ -2373,7 +2373,7 @@
           <a:bodyPr/>
           <a:lstStyle/>
           <a:p>
-            <a:fld id="{C02B789A-F109-4F03-8675-16CB0C0B61E8}" type="datetimeFigureOut">
+            <a:fld id="{3DBEEDE7-06BD-4470-9B9F-908394DFEF62}" type="datetimeFigureOut">
               <a:rPr lang="zh-CN" altLang="en-US" smtClean="0"/>
               <a:t>2024/3/10</a:t>
             </a:fld>
@@ -2386,7 +2386,7 @@
           <p:cNvPr id="6" name="页脚占位符 5">
             <a:extLst>
               <a:ext uri="{FF2B5EF4-FFF2-40B4-BE49-F238E27FC236}">
-                <a16:creationId xmlns:a16="http://schemas.microsoft.com/office/drawing/2014/main" id="{96520D30-6EDB-5A8B-FFFA-B4893AB60AC0}"/>
+                <a16:creationId xmlns:a16="http://schemas.microsoft.com/office/drawing/2014/main" id="{93CFBCD5-5E9B-2D0D-A126-9F47357A9A27}"/>
               </a:ext>
             </a:extLst>
           </p:cNvPr>
@@ -2411,7 +2411,7 @@
           <p:cNvPr id="7" name="灯片编号占位符 6">
             <a:extLst>
               <a:ext uri="{FF2B5EF4-FFF2-40B4-BE49-F238E27FC236}">
-                <a16:creationId xmlns:a16="http://schemas.microsoft.com/office/drawing/2014/main" id="{F1BF4655-2304-84F2-76B0-B84A0E8AD829}"/>
+                <a16:creationId xmlns:a16="http://schemas.microsoft.com/office/drawing/2014/main" id="{71F8F966-3E5C-779A-E726-2CE0A5A738A5}"/>
               </a:ext>
             </a:extLst>
           </p:cNvPr>
@@ -2427,7 +2427,7 @@
           <a:bodyPr/>
           <a:lstStyle/>
           <a:p>
-            <a:fld id="{9830D92F-7B59-47F0-9925-8B57CC0BA813}" type="slidenum">
+            <a:fld id="{B19C83C2-AB03-4A71-8F85-C30D9B8B279C}" type="slidenum">
               <a:rPr lang="zh-CN" altLang="en-US" smtClean="0"/>
               <a:t>‹#›</a:t>
             </a:fld>
@@ -2438,7 +2438,7 @@
     </p:spTree>
     <p:extLst>
       <p:ext uri="{BB962C8B-B14F-4D97-AF65-F5344CB8AC3E}">
-        <p14:creationId xmlns:p14="http://schemas.microsoft.com/office/powerpoint/2010/main" val="91337042"/>
+        <p14:creationId xmlns:p14="http://schemas.microsoft.com/office/powerpoint/2010/main" val="31345248"/>
       </p:ext>
     </p:extLst>
   </p:cSld>
@@ -2470,7 +2470,7 @@
           <p:cNvPr id="2" name="标题 1">
             <a:extLst>
               <a:ext uri="{FF2B5EF4-FFF2-40B4-BE49-F238E27FC236}">
-                <a16:creationId xmlns:a16="http://schemas.microsoft.com/office/drawing/2014/main" id="{33EB66D4-C99A-D660-50B0-56C0938CC733}"/>
+                <a16:creationId xmlns:a16="http://schemas.microsoft.com/office/drawing/2014/main" id="{3AF9F27A-6BA9-9F37-C77E-5E2FFA394E01}"/>
               </a:ext>
             </a:extLst>
           </p:cNvPr>
@@ -2507,7 +2507,7 @@
           <p:cNvPr id="3" name="图片占位符 2">
             <a:extLst>
               <a:ext uri="{FF2B5EF4-FFF2-40B4-BE49-F238E27FC236}">
-                <a16:creationId xmlns:a16="http://schemas.microsoft.com/office/drawing/2014/main" id="{DE71BFBF-6A6C-4AFC-73EE-1DDF2BD310E6}"/>
+                <a16:creationId xmlns:a16="http://schemas.microsoft.com/office/drawing/2014/main" id="{DE79B025-0DAA-D37B-6895-15363E3E4DEA}"/>
               </a:ext>
             </a:extLst>
           </p:cNvPr>
@@ -2574,7 +2574,7 @@
           <p:cNvPr id="4" name="文本占位符 3">
             <a:extLst>
               <a:ext uri="{FF2B5EF4-FFF2-40B4-BE49-F238E27FC236}">
-                <a16:creationId xmlns:a16="http://schemas.microsoft.com/office/drawing/2014/main" id="{33FDEAE6-8233-B97A-1002-8E56E0D56203}"/>
+                <a16:creationId xmlns:a16="http://schemas.microsoft.com/office/drawing/2014/main" id="{033BFAC5-7F65-F982-3863-DF733D68A467}"/>
               </a:ext>
             </a:extLst>
           </p:cNvPr>
@@ -2645,7 +2645,7 @@
           <p:cNvPr id="5" name="日期占位符 4">
             <a:extLst>
               <a:ext uri="{FF2B5EF4-FFF2-40B4-BE49-F238E27FC236}">
-                <a16:creationId xmlns:a16="http://schemas.microsoft.com/office/drawing/2014/main" id="{76C557D8-83CF-6A42-88EA-6E3C1C67A98F}"/>
+                <a16:creationId xmlns:a16="http://schemas.microsoft.com/office/drawing/2014/main" id="{3E794EB7-ADA2-B460-DCD7-0E703C834722}"/>
               </a:ext>
             </a:extLst>
           </p:cNvPr>
@@ -2661,7 +2661,7 @@
           <a:bodyPr/>
           <a:lstStyle/>
           <a:p>
-            <a:fld id="{C02B789A-F109-4F03-8675-16CB0C0B61E8}" type="datetimeFigureOut">
+            <a:fld id="{3DBEEDE7-06BD-4470-9B9F-908394DFEF62}" type="datetimeFigureOut">
               <a:rPr lang="zh-CN" altLang="en-US" smtClean="0"/>
               <a:t>2024/3/10</a:t>
             </a:fld>
@@ -2674,7 +2674,7 @@
           <p:cNvPr id="6" name="页脚占位符 5">
             <a:extLst>
               <a:ext uri="{FF2B5EF4-FFF2-40B4-BE49-F238E27FC236}">
-                <a16:creationId xmlns:a16="http://schemas.microsoft.com/office/drawing/2014/main" id="{572712C0-0DE0-D184-C8CC-88973B339417}"/>
+                <a16:creationId xmlns:a16="http://schemas.microsoft.com/office/drawing/2014/main" id="{61621CE6-37C7-C496-EFC2-7C6D517A708A}"/>
               </a:ext>
             </a:extLst>
           </p:cNvPr>
@@ -2699,7 +2699,7 @@
           <p:cNvPr id="7" name="灯片编号占位符 6">
             <a:extLst>
               <a:ext uri="{FF2B5EF4-FFF2-40B4-BE49-F238E27FC236}">
-                <a16:creationId xmlns:a16="http://schemas.microsoft.com/office/drawing/2014/main" id="{2647824A-E78E-3520-BA0E-F65993F8D772}"/>
+                <a16:creationId xmlns:a16="http://schemas.microsoft.com/office/drawing/2014/main" id="{AFA29C20-2791-5DB6-47AE-0F1EB1BA005B}"/>
               </a:ext>
             </a:extLst>
           </p:cNvPr>
@@ -2715,7 +2715,7 @@
           <a:bodyPr/>
           <a:lstStyle/>
           <a:p>
-            <a:fld id="{9830D92F-7B59-47F0-9925-8B57CC0BA813}" type="slidenum">
+            <a:fld id="{B19C83C2-AB03-4A71-8F85-C30D9B8B279C}" type="slidenum">
               <a:rPr lang="zh-CN" altLang="en-US" smtClean="0"/>
               <a:t>‹#›</a:t>
             </a:fld>
@@ -2726,7 +2726,7 @@
     </p:spTree>
     <p:extLst>
       <p:ext uri="{BB962C8B-B14F-4D97-AF65-F5344CB8AC3E}">
-        <p14:creationId xmlns:p14="http://schemas.microsoft.com/office/powerpoint/2010/main" val="4203962200"/>
+        <p14:creationId xmlns:p14="http://schemas.microsoft.com/office/powerpoint/2010/main" val="4266275554"/>
       </p:ext>
     </p:extLst>
   </p:cSld>
@@ -2763,7 +2763,7 @@
           <p:cNvPr id="2" name="标题占位符 1">
             <a:extLst>
               <a:ext uri="{FF2B5EF4-FFF2-40B4-BE49-F238E27FC236}">
-                <a16:creationId xmlns:a16="http://schemas.microsoft.com/office/drawing/2014/main" id="{65ADA693-23DA-D541-765A-8A4D980BE257}"/>
+                <a16:creationId xmlns:a16="http://schemas.microsoft.com/office/drawing/2014/main" id="{CE4D39DB-8E33-31F5-5641-BA23EAEEB3AF}"/>
               </a:ext>
             </a:extLst>
           </p:cNvPr>
@@ -2801,7 +2801,7 @@
           <p:cNvPr id="3" name="文本占位符 2">
             <a:extLst>
               <a:ext uri="{FF2B5EF4-FFF2-40B4-BE49-F238E27FC236}">
-                <a16:creationId xmlns:a16="http://schemas.microsoft.com/office/drawing/2014/main" id="{7C69BF82-6432-85C1-2367-3AE606D51422}"/>
+                <a16:creationId xmlns:a16="http://schemas.microsoft.com/office/drawing/2014/main" id="{23ACCBBE-053D-CAF0-C6F7-B25325A6DC05}"/>
               </a:ext>
             </a:extLst>
           </p:cNvPr>
@@ -2868,7 +2868,7 @@
           <p:cNvPr id="4" name="日期占位符 3">
             <a:extLst>
               <a:ext uri="{FF2B5EF4-FFF2-40B4-BE49-F238E27FC236}">
-                <a16:creationId xmlns:a16="http://schemas.microsoft.com/office/drawing/2014/main" id="{93695DB0-73F2-3460-041C-4A204C549BEB}"/>
+                <a16:creationId xmlns:a16="http://schemas.microsoft.com/office/drawing/2014/main" id="{7FDE9E5B-6897-B13A-6FB2-227D6F9B7A32}"/>
               </a:ext>
             </a:extLst>
           </p:cNvPr>
@@ -2902,7 +2902,7 @@
             </a:lvl1pPr>
           </a:lstStyle>
           <a:p>
-            <a:fld id="{C02B789A-F109-4F03-8675-16CB0C0B61E8}" type="datetimeFigureOut">
+            <a:fld id="{3DBEEDE7-06BD-4470-9B9F-908394DFEF62}" type="datetimeFigureOut">
               <a:rPr lang="zh-CN" altLang="en-US" smtClean="0"/>
               <a:t>2024/3/10</a:t>
             </a:fld>
@@ -2915,7 +2915,7 @@
           <p:cNvPr id="5" name="页脚占位符 4">
             <a:extLst>
               <a:ext uri="{FF2B5EF4-FFF2-40B4-BE49-F238E27FC236}">
-                <a16:creationId xmlns:a16="http://schemas.microsoft.com/office/drawing/2014/main" id="{8E5514CC-37AD-B6B5-8333-68DE39EFD234}"/>
+                <a16:creationId xmlns:a16="http://schemas.microsoft.com/office/drawing/2014/main" id="{7C0268A6-DD9C-2E05-C5DD-01DF83A96658}"/>
               </a:ext>
             </a:extLst>
           </p:cNvPr>
@@ -2958,7 +2958,7 @@
           <p:cNvPr id="6" name="灯片编号占位符 5">
             <a:extLst>
               <a:ext uri="{FF2B5EF4-FFF2-40B4-BE49-F238E27FC236}">
-                <a16:creationId xmlns:a16="http://schemas.microsoft.com/office/drawing/2014/main" id="{35232CF6-1251-BFF3-61DA-8FD4591ED4F2}"/>
+                <a16:creationId xmlns:a16="http://schemas.microsoft.com/office/drawing/2014/main" id="{73430F61-566B-D46A-4BA4-392A628D06C8}"/>
               </a:ext>
             </a:extLst>
           </p:cNvPr>
@@ -2992,7 +2992,7 @@
             </a:lvl1pPr>
           </a:lstStyle>
           <a:p>
-            <a:fld id="{9830D92F-7B59-47F0-9925-8B57CC0BA813}" type="slidenum">
+            <a:fld id="{B19C83C2-AB03-4A71-8F85-C30D9B8B279C}" type="slidenum">
               <a:rPr lang="zh-CN" altLang="en-US" smtClean="0"/>
               <a:t>‹#›</a:t>
             </a:fld>
@@ -3003,7 +3003,7 @@
     </p:spTree>
     <p:extLst>
       <p:ext uri="{BB962C8B-B14F-4D97-AF65-F5344CB8AC3E}">
-        <p14:creationId xmlns:p14="http://schemas.microsoft.com/office/powerpoint/2010/main" val="2127801347"/>
+        <p14:creationId xmlns:p14="http://schemas.microsoft.com/office/powerpoint/2010/main" val="3680142368"/>
       </p:ext>
     </p:extLst>
   </p:cSld>
@@ -3323,7 +3323,7 @@
       </p:grpSpPr>
       <p:pic>
         <p:nvPicPr>
-          <p:cNvPr id="1099778" name="Picture 2" descr="1073"/>
+          <p:cNvPr id="1100802" name="Picture 2" descr="1074"/>
           <p:cNvPicPr>
             <a:picLocks noChangeAspect="1" noChangeArrowheads="1"/>
           </p:cNvPicPr>
@@ -3345,7 +3345,7 @@
         <p:spPr bwMode="auto">
           <a:xfrm>
             <a:off x="1524000" y="1"/>
-            <a:ext cx="9124950" cy="5876925"/>
+            <a:ext cx="9124950" cy="6524625"/>
           </a:xfrm>
           <a:prstGeom prst="rect">
             <a:avLst/>
@@ -3375,11 +3375,158 @@
           </a:extLst>
         </p:spPr>
       </p:pic>
+      <p:pic>
+        <p:nvPicPr>
+          <p:cNvPr id="1101827" name="Picture 3" descr="1074-2"/>
+          <p:cNvPicPr>
+            <a:picLocks noChangeAspect="1" noChangeArrowheads="1"/>
+          </p:cNvPicPr>
+          <p:nvPr/>
+        </p:nvPicPr>
+        <p:blipFill>
+          <a:blip r:embed="rId3">
+            <a:extLst>
+              <a:ext uri="{28A0092B-C50C-407E-A947-70E740481C1C}">
+                <a14:useLocalDpi xmlns:a14="http://schemas.microsoft.com/office/drawing/2010/main" val="0"/>
+              </a:ext>
+            </a:extLst>
+          </a:blip>
+          <a:srcRect/>
+          <a:stretch>
+            <a:fillRect/>
+          </a:stretch>
+        </p:blipFill>
+        <p:spPr bwMode="auto">
+          <a:xfrm>
+            <a:off x="1524000" y="1"/>
+            <a:ext cx="9145588" cy="6829425"/>
+          </a:xfrm>
+          <a:prstGeom prst="rect">
+            <a:avLst/>
+          </a:prstGeom>
+          <a:noFill/>
+          <a:ln>
+            <a:noFill/>
+          </a:ln>
+          <a:effectLst/>
+          <a:extLst>
+            <a:ext uri="{909E8E84-426E-40DD-AFC4-6F175D3DCCD1}">
+              <a14:hiddenFill xmlns:a14="http://schemas.microsoft.com/office/drawing/2010/main">
+                <a:solidFill>
+                  <a:srgbClr val="FFFFFF"/>
+                </a:solidFill>
+              </a14:hiddenFill>
+            </a:ext>
+            <a:ext uri="{91240B29-F687-4F45-9708-019B960494DF}">
+              <a14:hiddenLine xmlns:a14="http://schemas.microsoft.com/office/drawing/2010/main" w="9525">
+                <a:solidFill>
+                  <a:srgbClr val="000000"/>
+                </a:solidFill>
+                <a:miter lim="800000"/>
+                <a:headEnd/>
+                <a:tailEnd/>
+              </a14:hiddenLine>
+            </a:ext>
+            <a:ext uri="{AF507438-7753-43E0-B8FC-AC1667EBCBE1}">
+              <a14:hiddenEffects xmlns:a14="http://schemas.microsoft.com/office/drawing/2010/main">
+                <a:effectLst>
+                  <a:outerShdw dist="35921" dir="2700000" algn="ctr" rotWithShape="0">
+                    <a:srgbClr val="808080"/>
+                  </a:outerShdw>
+                </a:effectLst>
+              </a14:hiddenEffects>
+            </a:ext>
+          </a:extLst>
+        </p:spPr>
+      </p:pic>
     </p:spTree>
   </p:cSld>
   <p:clrMapOvr>
     <a:masterClrMapping/>
   </p:clrMapOvr>
+  <p:timing>
+    <p:tnLst>
+      <p:par>
+        <p:cTn id="1" dur="indefinite" restart="never" nodeType="tmRoot">
+          <p:childTnLst>
+            <p:seq concurrent="1" nextAc="seek">
+              <p:cTn id="2" dur="indefinite" nodeType="mainSeq">
+                <p:childTnLst>
+                  <p:par>
+                    <p:cTn id="3" fill="hold" nodeType="clickPar">
+                      <p:stCondLst>
+                        <p:cond delay="indefinite"/>
+                      </p:stCondLst>
+                      <p:childTnLst>
+                        <p:par>
+                          <p:cTn id="4" fill="hold" nodeType="withGroup">
+                            <p:stCondLst>
+                              <p:cond delay="0"/>
+                            </p:stCondLst>
+                            <p:childTnLst>
+                              <p:par>
+                                <p:cTn id="5" presetID="10" presetClass="entr" presetSubtype="0" fill="hold" nodeType="clickEffect">
+                                  <p:stCondLst>
+                                    <p:cond delay="0"/>
+                                  </p:stCondLst>
+                                  <p:childTnLst>
+                                    <p:set>
+                                      <p:cBhvr>
+                                        <p:cTn id="6" dur="1" fill="hold">
+                                          <p:stCondLst>
+                                            <p:cond delay="0"/>
+                                          </p:stCondLst>
+                                        </p:cTn>
+                                        <p:tgtEl>
+                                          <p:spTgt spid="1101827"/>
+                                        </p:tgtEl>
+                                        <p:attrNameLst>
+                                          <p:attrName>style.visibility</p:attrName>
+                                        </p:attrNameLst>
+                                      </p:cBhvr>
+                                      <p:to>
+                                        <p:strVal val="visible"/>
+                                      </p:to>
+                                    </p:set>
+                                    <p:animEffect transition="in" filter="fade">
+                                      <p:cBhvr>
+                                        <p:cTn id="7" dur="500"/>
+                                        <p:tgtEl>
+                                          <p:spTgt spid="1101827"/>
+                                        </p:tgtEl>
+                                      </p:cBhvr>
+                                    </p:animEffect>
+                                  </p:childTnLst>
+                                </p:cTn>
+                              </p:par>
+                            </p:childTnLst>
+                          </p:cTn>
+                        </p:par>
+                      </p:childTnLst>
+                    </p:cTn>
+                  </p:par>
+                </p:childTnLst>
+              </p:cTn>
+              <p:prevCondLst>
+                <p:cond evt="onPrev" delay="0">
+                  <p:tgtEl>
+                    <p:sldTgt/>
+                  </p:tgtEl>
+                </p:cond>
+              </p:prevCondLst>
+              <p:nextCondLst>
+                <p:cond evt="onNext" delay="0">
+                  <p:tgtEl>
+                    <p:sldTgt/>
+                  </p:tgtEl>
+                </p:cond>
+              </p:nextCondLst>
+            </p:seq>
+          </p:childTnLst>
+        </p:cTn>
+      </p:par>
+    </p:tnLst>
+  </p:timing>
 </p:sld>
 </file>
 
